--- a/fundo.pptx
+++ b/fundo.pptx
@@ -3327,7 +3327,10 @@
             </a:avLst>
           </a:prstGeom>
           <a:solidFill>
-            <a:schemeClr val="bg1"/>
+            <a:schemeClr val="accent6">
+              <a:lumMod val="60000"/>
+              <a:lumOff val="40000"/>
+            </a:schemeClr>
           </a:solidFill>
           <a:ln>
             <a:noFill/>
@@ -3375,7 +3378,10 @@
             </a:avLst>
           </a:prstGeom>
           <a:solidFill>
-            <a:schemeClr val="bg1"/>
+            <a:schemeClr val="accent6">
+              <a:lumMod val="60000"/>
+              <a:lumOff val="40000"/>
+            </a:schemeClr>
           </a:solidFill>
           <a:ln>
             <a:noFill/>
@@ -3423,7 +3429,10 @@
             </a:avLst>
           </a:prstGeom>
           <a:solidFill>
-            <a:schemeClr val="bg1"/>
+            <a:schemeClr val="accent6">
+              <a:lumMod val="60000"/>
+              <a:lumOff val="40000"/>
+            </a:schemeClr>
           </a:solidFill>
           <a:ln>
             <a:noFill/>
